--- a/files/working-with-git-github.pptx
+++ b/files/working-with-git-github.pptx
@@ -16,6 +16,11 @@
     <p:sldId id="264" r:id="rId10"/>
     <p:sldId id="265" r:id="rId11"/>
     <p:sldId id="266" r:id="rId12"/>
+    <p:sldId id="267" r:id="rId13"/>
+    <p:sldId id="268" r:id="rId14"/>
+    <p:sldId id="269" r:id="rId15"/>
+    <p:sldId id="270" r:id="rId16"/>
+    <p:sldId id="271" r:id="rId17"/>
   </p:sldIdLst>
   <p:sldSz cx="12192000" cy="6858000"/>
   <p:notesSz cx="6858000" cy="9144000"/>
@@ -3364,31 +3369,6 @@
           </a:p>
         </p:txBody>
       </p:sp>
-      <p:sp>
-        <p:nvSpPr>
-          <p:cNvPr id="3" name="Subtitle 2">
-            <a:extLst>
-              <a:ext uri="{FF2B5EF4-FFF2-40B4-BE49-F238E27FC236}">
-                <a16:creationId xmlns:a16="http://schemas.microsoft.com/office/drawing/2014/main" id="{C0261AF6-34F4-4B41-877F-41BDE96E5BEA}"/>
-              </a:ext>
-            </a:extLst>
-          </p:cNvPr>
-          <p:cNvSpPr>
-            <a:spLocks noGrp="1"/>
-          </p:cNvSpPr>
-          <p:nvPr>
-            <p:ph type="subTitle" idx="1"/>
-          </p:nvPr>
-        </p:nvSpPr>
-        <p:spPr/>
-        <p:txBody>
-          <a:bodyPr/>
-          <a:lstStyle/>
-          <a:p>
-            <a:endParaRPr lang="en-US" dirty="0"/>
-          </a:p>
-        </p:txBody>
-      </p:sp>
     </p:spTree>
     <p:extLst>
       <p:ext uri="{BB962C8B-B14F-4D97-AF65-F5344CB8AC3E}">
@@ -3720,7 +3700,7 @@
           <a:p>
             <a:r>
               <a:rPr lang="en-US" dirty="0"/>
-              <a:t>“git add” lets select which changes you would like to commit. The dot on the end reads as “all changes.”</a:t>
+              <a:t>“git add” lets you select which changes you would like to commit. The dot on the end reads as “all changes.”</a:t>
             </a:r>
           </a:p>
         </p:txBody>
@@ -3859,8 +3839,8 @@
         </p:nvSpPr>
         <p:spPr>
           <a:xfrm>
-            <a:off x="4401493" y="332509"/>
-            <a:ext cx="7398326" cy="5901430"/>
+            <a:off x="3956462" y="397823"/>
+            <a:ext cx="7872231" cy="5177642"/>
           </a:xfrm>
         </p:spPr>
         <p:style>
@@ -3881,7 +3861,7 @@
         </p:style>
         <p:txBody>
           <a:bodyPr>
-            <a:normAutofit lnSpcReduction="10000"/>
+            <a:normAutofit fontScale="85000" lnSpcReduction="20000"/>
           </a:bodyPr>
           <a:lstStyle/>
           <a:p>
@@ -3890,7 +3870,7 @@
             </a:pPr>
             <a:r>
               <a:rPr lang="en-US" dirty="0"/>
-              <a:t>$ git add .</a:t>
+              <a:t>$ git commit -m "Added a new presentation and updated index.md"</a:t>
             </a:r>
           </a:p>
           <a:p>
@@ -3899,6 +3879,59 @@
             </a:pPr>
             <a:r>
               <a:rPr lang="en-US" dirty="0"/>
+              <a:t>[master 4232352] Added a new presentation and updated index.md</a:t>
+            </a:r>
+          </a:p>
+          <a:p>
+            <a:pPr marL="0" indent="0">
+              <a:buNone/>
+            </a:pPr>
+            <a:r>
+              <a:rPr lang="en-US" dirty="0"/>
+              <a:t> 4 files changed, 2 insertions(+)</a:t>
+            </a:r>
+          </a:p>
+          <a:p>
+            <a:pPr marL="0" indent="0">
+              <a:buNone/>
+            </a:pPr>
+            <a:r>
+              <a:rPr lang="en-US" dirty="0"/>
+              <a:t> create mode 100644 files/working-with-git-github.pptx</a:t>
+            </a:r>
+          </a:p>
+          <a:p>
+            <a:pPr marL="0" indent="0">
+              <a:buNone/>
+            </a:pPr>
+            <a:r>
+              <a:rPr lang="fr-FR" dirty="0"/>
+              <a:t> </a:t>
+            </a:r>
+            <a:r>
+              <a:rPr lang="fr-FR" dirty="0" err="1"/>
+              <a:t>create</a:t>
+            </a:r>
+            <a:r>
+              <a:rPr lang="fr-FR" dirty="0"/>
+              <a:t> mode 100644 images/git-1.svg</a:t>
+            </a:r>
+          </a:p>
+          <a:p>
+            <a:pPr marL="0" indent="0">
+              <a:buNone/>
+            </a:pPr>
+            <a:r>
+              <a:rPr lang="en-US" dirty="0"/>
+              <a:t> create mode 100644 images/github-fork.png</a:t>
+            </a:r>
+          </a:p>
+          <a:p>
+            <a:pPr marL="0" indent="0">
+              <a:buNone/>
+            </a:pPr>
+            <a:r>
+              <a:rPr lang="en-US" dirty="0"/>
               <a:t>$ git status</a:t>
             </a:r>
           </a:p>
@@ -3917,7 +3950,16 @@
             </a:pPr>
             <a:r>
               <a:rPr lang="en-US" dirty="0"/>
-              <a:t>Your branch is up-to-date with 'origin/master'.</a:t>
+              <a:t>Your branch is ahead of 'origin/master' by 1 commit.</a:t>
+            </a:r>
+          </a:p>
+          <a:p>
+            <a:pPr marL="0" indent="0">
+              <a:buNone/>
+            </a:pPr>
+            <a:r>
+              <a:rPr lang="en-US" dirty="0"/>
+              <a:t>  (use "git push" to publish your local commits)</a:t>
             </a:r>
           </a:p>
           <a:p>
@@ -3932,24 +3974,7 @@
             </a:pPr>
             <a:r>
               <a:rPr lang="en-US" dirty="0"/>
-              <a:t>Changes to be committed:</a:t>
-            </a:r>
-          </a:p>
-          <a:p>
-            <a:pPr marL="0" indent="0">
-              <a:buNone/>
-            </a:pPr>
-            <a:r>
-              <a:rPr lang="en-US" dirty="0"/>
-              <a:t>  (use "git reset HEAD &lt;file&gt;..." to </a:t>
-            </a:r>
-            <a:r>
-              <a:rPr lang="en-US" dirty="0" err="1"/>
-              <a:t>unstage</a:t>
-            </a:r>
-            <a:r>
-              <a:rPr lang="en-US" dirty="0"/>
-              <a:t>)</a:t>
+              <a:t>nothing to commit, working tree clean</a:t>
             </a:r>
           </a:p>
           <a:p>
@@ -3958,124 +3983,23 @@
             </a:pPr>
             <a:endParaRPr lang="en-US" dirty="0"/>
           </a:p>
-          <a:p>
-            <a:pPr marL="0" indent="0">
-              <a:buNone/>
-            </a:pPr>
-            <a:r>
-              <a:rPr lang="en-US" dirty="0">
-                <a:solidFill>
-                  <a:srgbClr val="92D050"/>
-                </a:solidFill>
-              </a:rPr>
-              <a:t>        new file:   files/working-with-git-github.pptx</a:t>
-            </a:r>
-          </a:p>
-          <a:p>
-            <a:pPr marL="0" indent="0">
-              <a:buNone/>
-            </a:pPr>
-            <a:r>
-              <a:rPr lang="en-US" dirty="0">
-                <a:solidFill>
-                  <a:srgbClr val="92D050"/>
-                </a:solidFill>
-              </a:rPr>
-              <a:t>        new file:   images/git-1.svg</a:t>
-            </a:r>
-          </a:p>
-          <a:p>
-            <a:pPr marL="0" indent="0">
-              <a:buNone/>
-            </a:pPr>
-            <a:r>
-              <a:rPr lang="en-US" dirty="0">
-                <a:solidFill>
-                  <a:srgbClr val="92D050"/>
-                </a:solidFill>
-              </a:rPr>
-              <a:t>        new file:   images/github-fork.png</a:t>
-            </a:r>
-          </a:p>
-          <a:p>
-            <a:pPr marL="0" indent="0">
-              <a:buNone/>
-            </a:pPr>
-            <a:r>
-              <a:rPr lang="en-US" dirty="0">
-                <a:solidFill>
-                  <a:srgbClr val="92D050"/>
-                </a:solidFill>
-              </a:rPr>
-              <a:t>        modified:   index.md</a:t>
-            </a:r>
-          </a:p>
-          <a:p>
-            <a:pPr marL="0" indent="0">
-              <a:buNone/>
-            </a:pPr>
-            <a:endParaRPr lang="en-US" dirty="0"/>
-          </a:p>
-        </p:txBody>
-      </p:sp>
-      <p:sp>
-        <p:nvSpPr>
-          <p:cNvPr id="4" name="TextBox 3">
-            <a:extLst>
-              <a:ext uri="{FF2B5EF4-FFF2-40B4-BE49-F238E27FC236}">
-                <a16:creationId xmlns:a16="http://schemas.microsoft.com/office/drawing/2014/main" id="{1DDFEC92-07F8-48FB-A123-72BCCE977C69}"/>
-              </a:ext>
-            </a:extLst>
-          </p:cNvPr>
-          <p:cNvSpPr txBox="1"/>
+        </p:txBody>
+      </p:sp>
+      <p:sp>
+        <p:nvSpPr>
+          <p:cNvPr id="5" name="Arrow: Right 4">
+            <a:extLst>
+              <a:ext uri="{FF2B5EF4-FFF2-40B4-BE49-F238E27FC236}">
+                <a16:creationId xmlns:a16="http://schemas.microsoft.com/office/drawing/2014/main" id="{75023400-787D-44AF-9D04-22D8C84666BE}"/>
+              </a:ext>
+            </a:extLst>
+          </p:cNvPr>
+          <p:cNvSpPr/>
           <p:nvPr/>
         </p:nvSpPr>
         <p:spPr>
           <a:xfrm>
-            <a:off x="421766" y="5279832"/>
-            <a:ext cx="3436620" cy="954107"/>
-          </a:xfrm>
-          <a:prstGeom prst="rect">
-            <a:avLst/>
-          </a:prstGeom>
-          <a:noFill/>
-        </p:spPr>
-        <p:txBody>
-          <a:bodyPr wrap="square" rtlCol="0">
-            <a:spAutoFit/>
-          </a:bodyPr>
-          <a:lstStyle/>
-          <a:p>
-            <a:pPr algn="ctr"/>
-            <a:r>
-              <a:rPr lang="en-US" sz="2800" u="sng" dirty="0"/>
-              <a:t>Over-Simplification</a:t>
-            </a:r>
-          </a:p>
-          <a:p>
-            <a:pPr algn="ctr"/>
-            <a:r>
-              <a:rPr lang="en-US" sz="2800" dirty="0"/>
-              <a:t>Green = Good 2 Go</a:t>
-            </a:r>
-          </a:p>
-        </p:txBody>
-      </p:sp>
-      <p:sp>
-        <p:nvSpPr>
-          <p:cNvPr id="5" name="Arrow: Right 4">
-            <a:extLst>
-              <a:ext uri="{FF2B5EF4-FFF2-40B4-BE49-F238E27FC236}">
-                <a16:creationId xmlns:a16="http://schemas.microsoft.com/office/drawing/2014/main" id="{75023400-787D-44AF-9D04-22D8C84666BE}"/>
-              </a:ext>
-            </a:extLst>
-          </p:cNvPr>
-          <p:cNvSpPr/>
-          <p:nvPr/>
-        </p:nvSpPr>
-        <p:spPr>
-          <a:xfrm>
-            <a:off x="3710996" y="253633"/>
+            <a:off x="3303362" y="289259"/>
             <a:ext cx="724461" cy="552203"/>
           </a:xfrm>
           <a:prstGeom prst="rightArrow">
@@ -4126,8 +4050,8 @@
         </p:nvSpPr>
         <p:spPr>
           <a:xfrm>
-            <a:off x="421767" y="205671"/>
-            <a:ext cx="3138604" cy="1200329"/>
+            <a:off x="363307" y="205671"/>
+            <a:ext cx="2843030" cy="2031325"/>
           </a:xfrm>
           <a:prstGeom prst="rect">
             <a:avLst/>
@@ -4142,7 +4066,16 @@
           <a:p>
             <a:r>
               <a:rPr lang="en-US" dirty="0"/>
-              <a:t>“git add” lets select which changes you would like to commit. The dot on the end reads as “all changes.”</a:t>
+              <a:t>“git commit” saves the staged (green) changes to its history.</a:t>
+            </a:r>
+          </a:p>
+          <a:p>
+            <a:endParaRPr lang="en-US" dirty="0"/>
+          </a:p>
+          <a:p>
+            <a:r>
+              <a:rPr lang="en-US" dirty="0"/>
+              <a:t>Use the “-m” argument to write a short message that will appear in the history.</a:t>
             </a:r>
           </a:p>
         </p:txBody>
@@ -4161,8 +4094,8 @@
         </p:nvSpPr>
         <p:spPr>
           <a:xfrm>
-            <a:off x="3710996" y="4015672"/>
-            <a:ext cx="1230607" cy="552203"/>
+            <a:off x="3303362" y="3087717"/>
+            <a:ext cx="724461" cy="552203"/>
           </a:xfrm>
           <a:prstGeom prst="rightArrow">
             <a:avLst/>
@@ -4212,8 +4145,8 @@
         </p:nvSpPr>
         <p:spPr>
           <a:xfrm>
-            <a:off x="363307" y="3830108"/>
-            <a:ext cx="3197063" cy="923330"/>
+            <a:off x="363308" y="2763653"/>
+            <a:ext cx="2843030" cy="1477328"/>
           </a:xfrm>
           <a:prstGeom prst="rect">
             <a:avLst/>
@@ -4228,7 +4161,7 @@
           <a:p>
             <a:r>
               <a:rPr lang="en-US" dirty="0"/>
-              <a:t>“git status” now shows changes in green, meaning they are ready to commit.</a:t>
+              <a:t>“git status” now reports the local repository is ahead of the remote repository named “origin” by 1 commit.</a:t>
             </a:r>
           </a:p>
         </p:txBody>
@@ -4237,6 +4170,1109 @@
     <p:extLst>
       <p:ext uri="{BB962C8B-B14F-4D97-AF65-F5344CB8AC3E}">
         <p14:creationId xmlns:p14="http://schemas.microsoft.com/office/powerpoint/2010/main" val="1779417025"/>
+      </p:ext>
+    </p:extLst>
+  </p:cSld>
+  <p:clrMapOvr>
+    <a:masterClrMapping/>
+  </p:clrMapOvr>
+</p:sld>
+</file>
+
+<file path=ppt/slides/slide12.xml><?xml version="1.0" encoding="utf-8"?>
+<p:sld xmlns:a="http://schemas.openxmlformats.org/drawingml/2006/main" xmlns:r="http://schemas.openxmlformats.org/officeDocument/2006/relationships" xmlns:p="http://schemas.openxmlformats.org/presentationml/2006/main">
+  <p:cSld>
+    <p:spTree>
+      <p:nvGrpSpPr>
+        <p:cNvPr id="1" name=""/>
+        <p:cNvGrpSpPr/>
+        <p:nvPr/>
+      </p:nvGrpSpPr>
+      <p:grpSpPr>
+        <a:xfrm>
+          <a:off x="0" y="0"/>
+          <a:ext cx="0" cy="0"/>
+          <a:chOff x="0" y="0"/>
+          <a:chExt cx="0" cy="0"/>
+        </a:xfrm>
+      </p:grpSpPr>
+      <p:sp>
+        <p:nvSpPr>
+          <p:cNvPr id="3" name="Content Placeholder 2">
+            <a:extLst>
+              <a:ext uri="{FF2B5EF4-FFF2-40B4-BE49-F238E27FC236}">
+                <a16:creationId xmlns:a16="http://schemas.microsoft.com/office/drawing/2014/main" id="{488E6CA6-7940-4080-B42E-8AF489F88D70}"/>
+              </a:ext>
+            </a:extLst>
+          </p:cNvPr>
+          <p:cNvSpPr>
+            <a:spLocks noGrp="1"/>
+          </p:cNvSpPr>
+          <p:nvPr>
+            <p:ph idx="1"/>
+          </p:nvPr>
+        </p:nvSpPr>
+        <p:spPr>
+          <a:xfrm>
+            <a:off x="4193968" y="289259"/>
+            <a:ext cx="5056909" cy="6289672"/>
+          </a:xfrm>
+        </p:spPr>
+        <p:style>
+          <a:lnRef idx="2">
+            <a:schemeClr val="dk1">
+              <a:shade val="50000"/>
+            </a:schemeClr>
+          </a:lnRef>
+          <a:fillRef idx="1">
+            <a:schemeClr val="dk1"/>
+          </a:fillRef>
+          <a:effectRef idx="0">
+            <a:schemeClr val="dk1"/>
+          </a:effectRef>
+          <a:fontRef idx="minor">
+            <a:schemeClr val="lt1"/>
+          </a:fontRef>
+        </p:style>
+        <p:txBody>
+          <a:bodyPr>
+            <a:normAutofit fontScale="40000" lnSpcReduction="20000"/>
+          </a:bodyPr>
+          <a:lstStyle/>
+          <a:p>
+            <a:pPr marL="0" indent="0">
+              <a:buNone/>
+            </a:pPr>
+            <a:r>
+              <a:rPr lang="en-US" dirty="0"/>
+              <a:t>$ git log</a:t>
+            </a:r>
+          </a:p>
+          <a:p>
+            <a:pPr marL="0" indent="0">
+              <a:buNone/>
+            </a:pPr>
+            <a:r>
+              <a:rPr lang="en-US" dirty="0">
+                <a:solidFill>
+                  <a:srgbClr val="FFFF00"/>
+                </a:solidFill>
+              </a:rPr>
+              <a:t>commit 030b3aa0e55c3ab97f3983bc246a3a9a4922ec75 (HEAD -&gt; master)</a:t>
+            </a:r>
+          </a:p>
+          <a:p>
+            <a:pPr marL="0" indent="0">
+              <a:buNone/>
+            </a:pPr>
+            <a:r>
+              <a:rPr lang="en-US" dirty="0"/>
+              <a:t>Author: Ry Lowry &lt;rylowry@gmail.com&gt;</a:t>
+            </a:r>
+          </a:p>
+          <a:p>
+            <a:pPr marL="0" indent="0">
+              <a:buNone/>
+            </a:pPr>
+            <a:r>
+              <a:rPr lang="en-US" dirty="0"/>
+              <a:t>Date:   Tue Feb 4 01:08:01 2020 -0600</a:t>
+            </a:r>
+          </a:p>
+          <a:p>
+            <a:pPr marL="0" indent="0">
+              <a:buNone/>
+            </a:pPr>
+            <a:endParaRPr lang="en-US" dirty="0"/>
+          </a:p>
+          <a:p>
+            <a:pPr marL="0" indent="0">
+              <a:buNone/>
+            </a:pPr>
+            <a:r>
+              <a:rPr lang="en-US" dirty="0"/>
+              <a:t>    Added a new presentation and updated index.md</a:t>
+            </a:r>
+          </a:p>
+          <a:p>
+            <a:pPr marL="0" indent="0">
+              <a:buNone/>
+            </a:pPr>
+            <a:endParaRPr lang="en-US" dirty="0"/>
+          </a:p>
+          <a:p>
+            <a:pPr marL="0" indent="0">
+              <a:buNone/>
+            </a:pPr>
+            <a:r>
+              <a:rPr lang="en-US" dirty="0">
+                <a:solidFill>
+                  <a:srgbClr val="FFFF00"/>
+                </a:solidFill>
+              </a:rPr>
+              <a:t>commit c219eee14934c63d3a05d87182e65b15290aca84 (origin/master, origin/HEAD)</a:t>
+            </a:r>
+          </a:p>
+          <a:p>
+            <a:pPr marL="0" indent="0">
+              <a:buNone/>
+            </a:pPr>
+            <a:r>
+              <a:rPr lang="en-US" dirty="0"/>
+              <a:t>Author: Ry Lowry &lt;rylowry@gmail.com&gt;</a:t>
+            </a:r>
+          </a:p>
+          <a:p>
+            <a:pPr marL="0" indent="0">
+              <a:buNone/>
+            </a:pPr>
+            <a:r>
+              <a:rPr lang="en-US" dirty="0"/>
+              <a:t>Date:   Thu Jan 30 00:31:07 2020 -0600</a:t>
+            </a:r>
+          </a:p>
+          <a:p>
+            <a:pPr marL="0" indent="0">
+              <a:buNone/>
+            </a:pPr>
+            <a:endParaRPr lang="en-US" dirty="0"/>
+          </a:p>
+          <a:p>
+            <a:pPr marL="0" indent="0">
+              <a:buNone/>
+            </a:pPr>
+            <a:r>
+              <a:rPr lang="en-US" dirty="0"/>
+              <a:t>    Prepare git fork notes.</a:t>
+            </a:r>
+          </a:p>
+          <a:p>
+            <a:pPr marL="0" indent="0">
+              <a:buNone/>
+            </a:pPr>
+            <a:endParaRPr lang="en-US" dirty="0"/>
+          </a:p>
+          <a:p>
+            <a:pPr marL="0" indent="0">
+              <a:buNone/>
+            </a:pPr>
+            <a:r>
+              <a:rPr lang="en-US" dirty="0">
+                <a:solidFill>
+                  <a:srgbClr val="FFFF00"/>
+                </a:solidFill>
+              </a:rPr>
+              <a:t>commit e9dfc377a3578135ad5469e51532cd45e9f1cd66</a:t>
+            </a:r>
+          </a:p>
+          <a:p>
+            <a:pPr marL="0" indent="0">
+              <a:buNone/>
+            </a:pPr>
+            <a:r>
+              <a:rPr lang="en-US" dirty="0"/>
+              <a:t>Author: Ry Lowry &lt;rylowry@gmail.com&gt;</a:t>
+            </a:r>
+          </a:p>
+          <a:p>
+            <a:pPr marL="0" indent="0">
+              <a:buNone/>
+            </a:pPr>
+            <a:r>
+              <a:rPr lang="en-US" dirty="0"/>
+              <a:t>Date:   Thu Jan 30 00:00:46 2020 -0600</a:t>
+            </a:r>
+          </a:p>
+          <a:p>
+            <a:pPr marL="0" indent="0">
+              <a:buNone/>
+            </a:pPr>
+            <a:endParaRPr lang="en-US" dirty="0"/>
+          </a:p>
+          <a:p>
+            <a:pPr marL="0" indent="0">
+              <a:buNone/>
+            </a:pPr>
+            <a:r>
+              <a:rPr lang="en-US" dirty="0"/>
+              <a:t>    Added ide tips &amp; a reference page for annotations and classes.</a:t>
+            </a:r>
+          </a:p>
+          <a:p>
+            <a:pPr marL="0" indent="0">
+              <a:buNone/>
+            </a:pPr>
+            <a:endParaRPr lang="en-US" dirty="0"/>
+          </a:p>
+          <a:p>
+            <a:pPr marL="0" indent="0">
+              <a:buNone/>
+            </a:pPr>
+            <a:r>
+              <a:rPr lang="en-US" dirty="0">
+                <a:solidFill>
+                  <a:srgbClr val="FFFF00"/>
+                </a:solidFill>
+              </a:rPr>
+              <a:t>commit 7fc967ca01be6bc8277b25636ff43201fb7c7ce0</a:t>
+            </a:r>
+          </a:p>
+          <a:p>
+            <a:pPr marL="0" indent="0">
+              <a:buNone/>
+            </a:pPr>
+            <a:r>
+              <a:rPr lang="en-US" dirty="0"/>
+              <a:t>Author: Ry Lowry &lt;rylowry@gmail.com&gt;</a:t>
+            </a:r>
+          </a:p>
+          <a:p>
+            <a:pPr marL="0" indent="0">
+              <a:buNone/>
+            </a:pPr>
+            <a:r>
+              <a:rPr lang="en-US" dirty="0"/>
+              <a:t>Date:   Tue Jan 28 03:19:04 2020 -0600</a:t>
+            </a:r>
+          </a:p>
+          <a:p>
+            <a:pPr marL="0" indent="0">
+              <a:buNone/>
+            </a:pPr>
+            <a:endParaRPr lang="en-US" dirty="0"/>
+          </a:p>
+          <a:p>
+            <a:pPr marL="0" indent="0">
+              <a:buNone/>
+            </a:pPr>
+            <a:r>
+              <a:rPr lang="en-US" dirty="0"/>
+              <a:t>    Updated presentation and homepage.</a:t>
+            </a:r>
+          </a:p>
+        </p:txBody>
+      </p:sp>
+      <p:sp>
+        <p:nvSpPr>
+          <p:cNvPr id="5" name="Arrow: Right 4">
+            <a:extLst>
+              <a:ext uri="{FF2B5EF4-FFF2-40B4-BE49-F238E27FC236}">
+                <a16:creationId xmlns:a16="http://schemas.microsoft.com/office/drawing/2014/main" id="{75023400-787D-44AF-9D04-22D8C84666BE}"/>
+              </a:ext>
+            </a:extLst>
+          </p:cNvPr>
+          <p:cNvSpPr/>
+          <p:nvPr/>
+        </p:nvSpPr>
+        <p:spPr>
+          <a:xfrm>
+            <a:off x="3528993" y="117067"/>
+            <a:ext cx="724461" cy="552203"/>
+          </a:xfrm>
+          <a:prstGeom prst="rightArrow">
+            <a:avLst/>
+          </a:prstGeom>
+          <a:ln>
+            <a:solidFill>
+              <a:schemeClr val="bg1"/>
+            </a:solidFill>
+          </a:ln>
+        </p:spPr>
+        <p:style>
+          <a:lnRef idx="2">
+            <a:schemeClr val="accent1">
+              <a:shade val="50000"/>
+            </a:schemeClr>
+          </a:lnRef>
+          <a:fillRef idx="1">
+            <a:schemeClr val="accent1"/>
+          </a:fillRef>
+          <a:effectRef idx="0">
+            <a:schemeClr val="accent1"/>
+          </a:effectRef>
+          <a:fontRef idx="minor">
+            <a:schemeClr val="lt1"/>
+          </a:fontRef>
+        </p:style>
+        <p:txBody>
+          <a:bodyPr rtlCol="0" anchor="ctr"/>
+          <a:lstStyle/>
+          <a:p>
+            <a:pPr algn="ctr"/>
+            <a:endParaRPr lang="en-US" dirty="0"/>
+          </a:p>
+        </p:txBody>
+      </p:sp>
+      <p:sp>
+        <p:nvSpPr>
+          <p:cNvPr id="6" name="TextBox 5">
+            <a:extLst>
+              <a:ext uri="{FF2B5EF4-FFF2-40B4-BE49-F238E27FC236}">
+                <a16:creationId xmlns:a16="http://schemas.microsoft.com/office/drawing/2014/main" id="{815C85F0-A76B-4269-90D5-2DDCA475562E}"/>
+              </a:ext>
+            </a:extLst>
+          </p:cNvPr>
+          <p:cNvSpPr txBox="1"/>
+          <p:nvPr/>
+        </p:nvSpPr>
+        <p:spPr>
+          <a:xfrm>
+            <a:off x="363307" y="205671"/>
+            <a:ext cx="2843030" cy="646331"/>
+          </a:xfrm>
+          <a:prstGeom prst="rect">
+            <a:avLst/>
+          </a:prstGeom>
+          <a:noFill/>
+        </p:spPr>
+        <p:txBody>
+          <a:bodyPr wrap="square" rtlCol="0">
+            <a:spAutoFit/>
+          </a:bodyPr>
+          <a:lstStyle/>
+          <a:p>
+            <a:r>
+              <a:rPr lang="en-US" dirty="0"/>
+              <a:t>“git log” lets you view the history of the project</a:t>
+            </a:r>
+          </a:p>
+        </p:txBody>
+      </p:sp>
+      <p:sp>
+        <p:nvSpPr>
+          <p:cNvPr id="8" name="TextBox 7">
+            <a:extLst>
+              <a:ext uri="{FF2B5EF4-FFF2-40B4-BE49-F238E27FC236}">
+                <a16:creationId xmlns:a16="http://schemas.microsoft.com/office/drawing/2014/main" id="{F56F0FAF-64A8-482F-8270-1519B79F5403}"/>
+              </a:ext>
+            </a:extLst>
+          </p:cNvPr>
+          <p:cNvSpPr txBox="1"/>
+          <p:nvPr/>
+        </p:nvSpPr>
+        <p:spPr>
+          <a:xfrm>
+            <a:off x="573148" y="2613392"/>
+            <a:ext cx="2955845" cy="1631216"/>
+          </a:xfrm>
+          <a:prstGeom prst="rect">
+            <a:avLst/>
+          </a:prstGeom>
+          <a:noFill/>
+        </p:spPr>
+        <p:txBody>
+          <a:bodyPr wrap="square" rtlCol="0">
+            <a:spAutoFit/>
+          </a:bodyPr>
+          <a:lstStyle/>
+          <a:p>
+            <a:pPr algn="ctr"/>
+            <a:r>
+              <a:rPr lang="en-US" sz="2800" dirty="0"/>
+              <a:t>Navigation</a:t>
+            </a:r>
+            <a:endParaRPr lang="en-US" dirty="0"/>
+          </a:p>
+          <a:p>
+            <a:pPr marL="285750" indent="-285750">
+              <a:buFont typeface="Arial" panose="020B0604020202020204" pitchFamily="34" charset="0"/>
+              <a:buChar char="•"/>
+            </a:pPr>
+            <a:endParaRPr lang="en-US" b="1" dirty="0"/>
+          </a:p>
+          <a:p>
+            <a:pPr marL="285750" indent="-285750">
+              <a:buFont typeface="Arial" panose="020B0604020202020204" pitchFamily="34" charset="0"/>
+              <a:buChar char="•"/>
+            </a:pPr>
+            <a:r>
+              <a:rPr lang="en-US" b="1" dirty="0"/>
+              <a:t>Up Arrow: </a:t>
+            </a:r>
+            <a:r>
+              <a:rPr lang="en-US" dirty="0"/>
+              <a:t>Scroll Up</a:t>
+            </a:r>
+          </a:p>
+          <a:p>
+            <a:pPr marL="285750" indent="-285750">
+              <a:buFont typeface="Arial" panose="020B0604020202020204" pitchFamily="34" charset="0"/>
+              <a:buChar char="•"/>
+            </a:pPr>
+            <a:r>
+              <a:rPr lang="en-US" b="1" dirty="0"/>
+              <a:t>Down Arrow: </a:t>
+            </a:r>
+            <a:r>
+              <a:rPr lang="en-US" dirty="0"/>
+              <a:t>Scroll Down</a:t>
+            </a:r>
+          </a:p>
+          <a:p>
+            <a:pPr marL="285750" indent="-285750">
+              <a:buFont typeface="Arial" panose="020B0604020202020204" pitchFamily="34" charset="0"/>
+              <a:buChar char="•"/>
+            </a:pPr>
+            <a:r>
+              <a:rPr lang="en-US" b="1" dirty="0"/>
+              <a:t>Q: </a:t>
+            </a:r>
+            <a:r>
+              <a:rPr lang="en-US" dirty="0"/>
+              <a:t>Quit viewing logs</a:t>
+            </a:r>
+          </a:p>
+        </p:txBody>
+      </p:sp>
+    </p:spTree>
+    <p:extLst>
+      <p:ext uri="{BB962C8B-B14F-4D97-AF65-F5344CB8AC3E}">
+        <p14:creationId xmlns:p14="http://schemas.microsoft.com/office/powerpoint/2010/main" val="199884989"/>
+      </p:ext>
+    </p:extLst>
+  </p:cSld>
+  <p:clrMapOvr>
+    <a:masterClrMapping/>
+  </p:clrMapOvr>
+</p:sld>
+</file>
+
+<file path=ppt/slides/slide13.xml><?xml version="1.0" encoding="utf-8"?>
+<p:sld xmlns:a="http://schemas.openxmlformats.org/drawingml/2006/main" xmlns:r="http://schemas.openxmlformats.org/officeDocument/2006/relationships" xmlns:p="http://schemas.openxmlformats.org/presentationml/2006/main">
+  <p:cSld>
+    <p:spTree>
+      <p:nvGrpSpPr>
+        <p:cNvPr id="1" name=""/>
+        <p:cNvGrpSpPr/>
+        <p:nvPr/>
+      </p:nvGrpSpPr>
+      <p:grpSpPr>
+        <a:xfrm>
+          <a:off x="0" y="0"/>
+          <a:ext cx="0" cy="0"/>
+          <a:chOff x="0" y="0"/>
+          <a:chExt cx="0" cy="0"/>
+        </a:xfrm>
+      </p:grpSpPr>
+      <p:sp>
+        <p:nvSpPr>
+          <p:cNvPr id="2" name="Title 1">
+            <a:extLst>
+              <a:ext uri="{FF2B5EF4-FFF2-40B4-BE49-F238E27FC236}">
+                <a16:creationId xmlns:a16="http://schemas.microsoft.com/office/drawing/2014/main" id="{B622BB23-6872-40D4-ACF8-61A4D05B47FD}"/>
+              </a:ext>
+            </a:extLst>
+          </p:cNvPr>
+          <p:cNvSpPr>
+            <a:spLocks noGrp="1"/>
+          </p:cNvSpPr>
+          <p:nvPr>
+            <p:ph type="title"/>
+          </p:nvPr>
+        </p:nvSpPr>
+        <p:spPr/>
+        <p:txBody>
+          <a:bodyPr/>
+          <a:lstStyle/>
+          <a:p>
+            <a:r>
+              <a:rPr lang="en-US" dirty="0"/>
+              <a:t>Push Local Changes to GitHub</a:t>
+            </a:r>
+          </a:p>
+        </p:txBody>
+      </p:sp>
+      <p:sp>
+        <p:nvSpPr>
+          <p:cNvPr id="3" name="Content Placeholder 2">
+            <a:extLst>
+              <a:ext uri="{FF2B5EF4-FFF2-40B4-BE49-F238E27FC236}">
+                <a16:creationId xmlns:a16="http://schemas.microsoft.com/office/drawing/2014/main" id="{7C0D246F-9D84-4778-A32D-B63C77101ACF}"/>
+              </a:ext>
+            </a:extLst>
+          </p:cNvPr>
+          <p:cNvSpPr>
+            <a:spLocks noGrp="1"/>
+          </p:cNvSpPr>
+          <p:nvPr>
+            <p:ph idx="1"/>
+          </p:nvPr>
+        </p:nvSpPr>
+        <p:spPr>
+          <a:xfrm>
+            <a:off x="838200" y="1825625"/>
+            <a:ext cx="10515600" cy="1659783"/>
+          </a:xfrm>
+        </p:spPr>
+        <p:txBody>
+          <a:bodyPr/>
+          <a:lstStyle/>
+          <a:p>
+            <a:r>
+              <a:rPr lang="en-US" dirty="0"/>
+              <a:t>You have committed changes locally, nice job!</a:t>
+            </a:r>
+          </a:p>
+          <a:p>
+            <a:r>
+              <a:rPr lang="en-US" dirty="0"/>
+              <a:t>They only exist on your computer, though.</a:t>
+            </a:r>
+          </a:p>
+          <a:p>
+            <a:r>
+              <a:rPr lang="en-US" dirty="0"/>
+              <a:t>You need to “push” your changes to share them with the world.</a:t>
+            </a:r>
+          </a:p>
+        </p:txBody>
+      </p:sp>
+      <p:sp>
+        <p:nvSpPr>
+          <p:cNvPr id="4" name="TextBox 3">
+            <a:extLst>
+              <a:ext uri="{FF2B5EF4-FFF2-40B4-BE49-F238E27FC236}">
+                <a16:creationId xmlns:a16="http://schemas.microsoft.com/office/drawing/2014/main" id="{ECD761FC-B447-46DD-AEC8-C170B8F1AAA7}"/>
+              </a:ext>
+            </a:extLst>
+          </p:cNvPr>
+          <p:cNvSpPr txBox="1"/>
+          <p:nvPr/>
+        </p:nvSpPr>
+        <p:spPr>
+          <a:xfrm>
+            <a:off x="4638303" y="3905923"/>
+            <a:ext cx="6715497" cy="2585323"/>
+          </a:xfrm>
+          <a:prstGeom prst="rect">
+            <a:avLst/>
+          </a:prstGeom>
+        </p:spPr>
+        <p:style>
+          <a:lnRef idx="2">
+            <a:schemeClr val="dk1">
+              <a:shade val="50000"/>
+            </a:schemeClr>
+          </a:lnRef>
+          <a:fillRef idx="1">
+            <a:schemeClr val="dk1"/>
+          </a:fillRef>
+          <a:effectRef idx="0">
+            <a:schemeClr val="dk1"/>
+          </a:effectRef>
+          <a:fontRef idx="minor">
+            <a:schemeClr val="lt1"/>
+          </a:fontRef>
+        </p:style>
+        <p:txBody>
+          <a:bodyPr wrap="square" rtlCol="0">
+            <a:spAutoFit/>
+          </a:bodyPr>
+          <a:lstStyle/>
+          <a:p>
+            <a:r>
+              <a:rPr lang="en-US" dirty="0"/>
+              <a:t>$ git push</a:t>
+            </a:r>
+          </a:p>
+          <a:p>
+            <a:r>
+              <a:rPr lang="en-US" dirty="0"/>
+              <a:t>Counting objects: 14, done.</a:t>
+            </a:r>
+          </a:p>
+          <a:p>
+            <a:r>
+              <a:rPr lang="en-US" dirty="0"/>
+              <a:t>Delta compression using up to 8 threads.</a:t>
+            </a:r>
+          </a:p>
+          <a:p>
+            <a:r>
+              <a:rPr lang="en-US" dirty="0"/>
+              <a:t>Compressing objects: 100% (14/14), done.</a:t>
+            </a:r>
+          </a:p>
+          <a:p>
+            <a:r>
+              <a:rPr lang="en-US" dirty="0"/>
+              <a:t>Writing objects: 100% (14/14), 205.45 KiB | 3.48 </a:t>
+            </a:r>
+            <a:r>
+              <a:rPr lang="en-US" dirty="0" err="1"/>
+              <a:t>MiB</a:t>
+            </a:r>
+            <a:r>
+              <a:rPr lang="en-US" dirty="0"/>
+              <a:t>/s, done.</a:t>
+            </a:r>
+          </a:p>
+          <a:p>
+            <a:r>
+              <a:rPr lang="sv-SE" dirty="0"/>
+              <a:t>Total 14 (delta 8), reused 0 (delta 0)</a:t>
+            </a:r>
+          </a:p>
+          <a:p>
+            <a:r>
+              <a:rPr lang="en-US" dirty="0"/>
+              <a:t>remote: Resolving deltas: 100% (8/8), completed with 3 local objects.</a:t>
+            </a:r>
+          </a:p>
+          <a:p>
+            <a:r>
+              <a:rPr lang="en-US" dirty="0"/>
+              <a:t>To </a:t>
+            </a:r>
+            <a:r>
+              <a:rPr lang="en-US" dirty="0" err="1"/>
+              <a:t>github.com:ryl</a:t>
+            </a:r>
+            <a:r>
+              <a:rPr lang="en-US" dirty="0"/>
+              <a:t>/cybr406-2020.git</a:t>
+            </a:r>
+          </a:p>
+          <a:p>
+            <a:r>
+              <a:rPr lang="en-US" dirty="0"/>
+              <a:t>   54ee24c..b21d2fc  master -&gt; master</a:t>
+            </a:r>
+          </a:p>
+        </p:txBody>
+      </p:sp>
+      <p:sp>
+        <p:nvSpPr>
+          <p:cNvPr id="5" name="Arrow: Right 4">
+            <a:extLst>
+              <a:ext uri="{FF2B5EF4-FFF2-40B4-BE49-F238E27FC236}">
+                <a16:creationId xmlns:a16="http://schemas.microsoft.com/office/drawing/2014/main" id="{5A872311-D54B-45A5-931D-6AFD7CFCF1A1}"/>
+              </a:ext>
+            </a:extLst>
+          </p:cNvPr>
+          <p:cNvSpPr/>
+          <p:nvPr/>
+        </p:nvSpPr>
+        <p:spPr>
+          <a:xfrm>
+            <a:off x="3831135" y="3764478"/>
+            <a:ext cx="864083" cy="670956"/>
+          </a:xfrm>
+          <a:prstGeom prst="rightArrow">
+            <a:avLst/>
+          </a:prstGeom>
+          <a:ln>
+            <a:solidFill>
+              <a:schemeClr val="bg1"/>
+            </a:solidFill>
+          </a:ln>
+        </p:spPr>
+        <p:style>
+          <a:lnRef idx="2">
+            <a:schemeClr val="accent1">
+              <a:shade val="50000"/>
+            </a:schemeClr>
+          </a:lnRef>
+          <a:fillRef idx="1">
+            <a:schemeClr val="accent1"/>
+          </a:fillRef>
+          <a:effectRef idx="0">
+            <a:schemeClr val="accent1"/>
+          </a:effectRef>
+          <a:fontRef idx="minor">
+            <a:schemeClr val="lt1"/>
+          </a:fontRef>
+        </p:style>
+        <p:txBody>
+          <a:bodyPr rtlCol="0" anchor="ctr"/>
+          <a:lstStyle/>
+          <a:p>
+            <a:pPr algn="ctr"/>
+            <a:endParaRPr lang="en-US"/>
+          </a:p>
+        </p:txBody>
+      </p:sp>
+      <p:sp>
+        <p:nvSpPr>
+          <p:cNvPr id="6" name="TextBox 5">
+            <a:extLst>
+              <a:ext uri="{FF2B5EF4-FFF2-40B4-BE49-F238E27FC236}">
+                <a16:creationId xmlns:a16="http://schemas.microsoft.com/office/drawing/2014/main" id="{886274EC-2982-4545-8543-6F153485B471}"/>
+              </a:ext>
+            </a:extLst>
+          </p:cNvPr>
+          <p:cNvSpPr txBox="1"/>
+          <p:nvPr/>
+        </p:nvSpPr>
+        <p:spPr>
+          <a:xfrm>
+            <a:off x="838200" y="3638291"/>
+            <a:ext cx="2683130" cy="923330"/>
+          </a:xfrm>
+          <a:prstGeom prst="rect">
+            <a:avLst/>
+          </a:prstGeom>
+          <a:noFill/>
+        </p:spPr>
+        <p:txBody>
+          <a:bodyPr wrap="square" rtlCol="0">
+            <a:spAutoFit/>
+          </a:bodyPr>
+          <a:lstStyle/>
+          <a:p>
+            <a:r>
+              <a:rPr lang="en-US" dirty="0"/>
+              <a:t>“git push” will send all the local commits to the remote repository.</a:t>
+            </a:r>
+          </a:p>
+        </p:txBody>
+      </p:sp>
+    </p:spTree>
+    <p:extLst>
+      <p:ext uri="{BB962C8B-B14F-4D97-AF65-F5344CB8AC3E}">
+        <p14:creationId xmlns:p14="http://schemas.microsoft.com/office/powerpoint/2010/main" val="1230180277"/>
+      </p:ext>
+    </p:extLst>
+  </p:cSld>
+  <p:clrMapOvr>
+    <a:masterClrMapping/>
+  </p:clrMapOvr>
+</p:sld>
+</file>
+
+<file path=ppt/slides/slide14.xml><?xml version="1.0" encoding="utf-8"?>
+<p:sld xmlns:a="http://schemas.openxmlformats.org/drawingml/2006/main" xmlns:r="http://schemas.openxmlformats.org/officeDocument/2006/relationships" xmlns:p="http://schemas.openxmlformats.org/presentationml/2006/main">
+  <p:cSld>
+    <p:spTree>
+      <p:nvGrpSpPr>
+        <p:cNvPr id="1" name=""/>
+        <p:cNvGrpSpPr/>
+        <p:nvPr/>
+      </p:nvGrpSpPr>
+      <p:grpSpPr>
+        <a:xfrm>
+          <a:off x="0" y="0"/>
+          <a:ext cx="0" cy="0"/>
+          <a:chOff x="0" y="0"/>
+          <a:chExt cx="0" cy="0"/>
+        </a:xfrm>
+      </p:grpSpPr>
+      <p:pic>
+        <p:nvPicPr>
+          <p:cNvPr id="3" name="Graphic 2">
+            <a:extLst>
+              <a:ext uri="{FF2B5EF4-FFF2-40B4-BE49-F238E27FC236}">
+                <a16:creationId xmlns:a16="http://schemas.microsoft.com/office/drawing/2014/main" id="{CC31F9C5-187D-415A-9570-4646EA103EA7}"/>
+              </a:ext>
+            </a:extLst>
+          </p:cNvPr>
+          <p:cNvPicPr>
+            <a:picLocks noChangeAspect="1"/>
+          </p:cNvPicPr>
+          <p:nvPr/>
+        </p:nvPicPr>
+        <p:blipFill>
+          <a:blip r:embed="rId2">
+            <a:extLst>
+              <a:ext uri="{28A0092B-C50C-407E-A947-70E740481C1C}">
+                <a14:useLocalDpi xmlns:a14="http://schemas.microsoft.com/office/drawing/2010/main" val="0"/>
+              </a:ext>
+              <a:ext uri="{96DAC541-7B7A-43D3-8B79-37D633B846F1}">
+                <asvg:svgBlip xmlns:asvg="http://schemas.microsoft.com/office/drawing/2016/SVG/main" r:embed="rId3"/>
+              </a:ext>
+            </a:extLst>
+          </a:blip>
+          <a:stretch>
+            <a:fillRect/>
+          </a:stretch>
+        </p:blipFill>
+        <p:spPr>
+          <a:xfrm>
+            <a:off x="707571" y="0"/>
+            <a:ext cx="10776857" cy="6858000"/>
+          </a:xfrm>
+          <a:prstGeom prst="rect">
+            <a:avLst/>
+          </a:prstGeom>
+        </p:spPr>
+      </p:pic>
+    </p:spTree>
+    <p:extLst>
+      <p:ext uri="{BB962C8B-B14F-4D97-AF65-F5344CB8AC3E}">
+        <p14:creationId xmlns:p14="http://schemas.microsoft.com/office/powerpoint/2010/main" val="2860693698"/>
+      </p:ext>
+    </p:extLst>
+  </p:cSld>
+  <p:clrMapOvr>
+    <a:masterClrMapping/>
+  </p:clrMapOvr>
+</p:sld>
+</file>
+
+<file path=ppt/slides/slide15.xml><?xml version="1.0" encoding="utf-8"?>
+<p:sld xmlns:a="http://schemas.openxmlformats.org/drawingml/2006/main" xmlns:r="http://schemas.openxmlformats.org/officeDocument/2006/relationships" xmlns:p="http://schemas.openxmlformats.org/presentationml/2006/main">
+  <p:cSld>
+    <p:spTree>
+      <p:nvGrpSpPr>
+        <p:cNvPr id="1" name=""/>
+        <p:cNvGrpSpPr/>
+        <p:nvPr/>
+      </p:nvGrpSpPr>
+      <p:grpSpPr>
+        <a:xfrm>
+          <a:off x="0" y="0"/>
+          <a:ext cx="0" cy="0"/>
+          <a:chOff x="0" y="0"/>
+          <a:chExt cx="0" cy="0"/>
+        </a:xfrm>
+      </p:grpSpPr>
+      <p:sp>
+        <p:nvSpPr>
+          <p:cNvPr id="2" name="Title 1">
+            <a:extLst>
+              <a:ext uri="{FF2B5EF4-FFF2-40B4-BE49-F238E27FC236}">
+                <a16:creationId xmlns:a16="http://schemas.microsoft.com/office/drawing/2014/main" id="{E022AB0C-7EBF-4463-A349-5363FBC2470B}"/>
+              </a:ext>
+            </a:extLst>
+          </p:cNvPr>
+          <p:cNvSpPr>
+            <a:spLocks noGrp="1"/>
+          </p:cNvSpPr>
+          <p:nvPr>
+            <p:ph type="title"/>
+          </p:nvPr>
+        </p:nvSpPr>
+        <p:spPr/>
+        <p:txBody>
+          <a:bodyPr/>
+          <a:lstStyle/>
+          <a:p>
+            <a:r>
+              <a:rPr lang="en-US" dirty="0"/>
+              <a:t>Add a Collaborator</a:t>
+            </a:r>
+          </a:p>
+        </p:txBody>
+      </p:sp>
+      <p:pic>
+        <p:nvPicPr>
+          <p:cNvPr id="4" name="Picture 3" descr="A screenshot of a social media post&#10;&#10;Description automatically generated">
+            <a:extLst>
+              <a:ext uri="{FF2B5EF4-FFF2-40B4-BE49-F238E27FC236}">
+                <a16:creationId xmlns:a16="http://schemas.microsoft.com/office/drawing/2014/main" id="{1B9B4455-2F4C-4E3D-80BB-F690DEC03369}"/>
+              </a:ext>
+            </a:extLst>
+          </p:cNvPr>
+          <p:cNvPicPr>
+            <a:picLocks noChangeAspect="1"/>
+          </p:cNvPicPr>
+          <p:nvPr/>
+        </p:nvPicPr>
+        <p:blipFill>
+          <a:blip r:embed="rId2">
+            <a:extLst>
+              <a:ext uri="{28A0092B-C50C-407E-A947-70E740481C1C}">
+                <a14:useLocalDpi xmlns:a14="http://schemas.microsoft.com/office/drawing/2010/main" val="0"/>
+              </a:ext>
+            </a:extLst>
+          </a:blip>
+          <a:stretch>
+            <a:fillRect/>
+          </a:stretch>
+        </p:blipFill>
+        <p:spPr>
+          <a:xfrm>
+            <a:off x="966071" y="1690688"/>
+            <a:ext cx="10259857" cy="4001058"/>
+          </a:xfrm>
+          <a:prstGeom prst="rect">
+            <a:avLst/>
+          </a:prstGeom>
+        </p:spPr>
+      </p:pic>
+    </p:spTree>
+    <p:extLst>
+      <p:ext uri="{BB962C8B-B14F-4D97-AF65-F5344CB8AC3E}">
+        <p14:creationId xmlns:p14="http://schemas.microsoft.com/office/powerpoint/2010/main" val="1476127554"/>
+      </p:ext>
+    </p:extLst>
+  </p:cSld>
+  <p:clrMapOvr>
+    <a:masterClrMapping/>
+  </p:clrMapOvr>
+</p:sld>
+</file>
+
+<file path=ppt/slides/slide16.xml><?xml version="1.0" encoding="utf-8"?>
+<p:sld xmlns:a="http://schemas.openxmlformats.org/drawingml/2006/main" xmlns:r="http://schemas.openxmlformats.org/officeDocument/2006/relationships" xmlns:p="http://schemas.openxmlformats.org/presentationml/2006/main">
+  <p:cSld>
+    <p:spTree>
+      <p:nvGrpSpPr>
+        <p:cNvPr id="1" name=""/>
+        <p:cNvGrpSpPr/>
+        <p:nvPr/>
+      </p:nvGrpSpPr>
+      <p:grpSpPr>
+        <a:xfrm>
+          <a:off x="0" y="0"/>
+          <a:ext cx="0" cy="0"/>
+          <a:chOff x="0" y="0"/>
+          <a:chExt cx="0" cy="0"/>
+        </a:xfrm>
+      </p:grpSpPr>
+      <p:sp>
+        <p:nvSpPr>
+          <p:cNvPr id="2" name="Title 1">
+            <a:extLst>
+              <a:ext uri="{FF2B5EF4-FFF2-40B4-BE49-F238E27FC236}">
+                <a16:creationId xmlns:a16="http://schemas.microsoft.com/office/drawing/2014/main" id="{74231186-2AF9-4BEC-ABEA-82418DF8564F}"/>
+              </a:ext>
+            </a:extLst>
+          </p:cNvPr>
+          <p:cNvSpPr>
+            <a:spLocks noGrp="1"/>
+          </p:cNvSpPr>
+          <p:nvPr>
+            <p:ph type="title"/>
+          </p:nvPr>
+        </p:nvSpPr>
+        <p:spPr/>
+        <p:txBody>
+          <a:bodyPr/>
+          <a:lstStyle/>
+          <a:p>
+            <a:r>
+              <a:rPr lang="en-US" dirty="0"/>
+              <a:t>Basic Homework Recipe</a:t>
+            </a:r>
+          </a:p>
+        </p:txBody>
+      </p:sp>
+      <p:sp>
+        <p:nvSpPr>
+          <p:cNvPr id="3" name="Content Placeholder 2">
+            <a:extLst>
+              <a:ext uri="{FF2B5EF4-FFF2-40B4-BE49-F238E27FC236}">
+                <a16:creationId xmlns:a16="http://schemas.microsoft.com/office/drawing/2014/main" id="{25ED9B3C-49B9-40EF-A40A-5C046748B2B0}"/>
+              </a:ext>
+            </a:extLst>
+          </p:cNvPr>
+          <p:cNvSpPr>
+            <a:spLocks noGrp="1"/>
+          </p:cNvSpPr>
+          <p:nvPr>
+            <p:ph idx="1"/>
+          </p:nvPr>
+        </p:nvSpPr>
+        <p:spPr/>
+        <p:txBody>
+          <a:bodyPr/>
+          <a:lstStyle/>
+          <a:p>
+            <a:pPr marL="514350" indent="-514350">
+              <a:buFont typeface="+mj-lt"/>
+              <a:buAutoNum type="arabicPeriod"/>
+            </a:pPr>
+            <a:r>
+              <a:rPr lang="en-US" dirty="0"/>
+              <a:t>git clone (paste your repository URL copied from GitHub here)</a:t>
+            </a:r>
+          </a:p>
+          <a:p>
+            <a:pPr marL="514350" indent="-514350">
+              <a:buFont typeface="+mj-lt"/>
+              <a:buAutoNum type="arabicPeriod"/>
+            </a:pPr>
+            <a:r>
+              <a:rPr lang="en-US" dirty="0"/>
+              <a:t>Write code</a:t>
+            </a:r>
+          </a:p>
+          <a:p>
+            <a:pPr marL="514350" indent="-514350">
+              <a:buFont typeface="+mj-lt"/>
+              <a:buAutoNum type="arabicPeriod"/>
+            </a:pPr>
+            <a:r>
+              <a:rPr lang="en-US" dirty="0"/>
+              <a:t>git status</a:t>
+            </a:r>
+          </a:p>
+          <a:p>
+            <a:pPr marL="514350" indent="-514350">
+              <a:buFont typeface="+mj-lt"/>
+              <a:buAutoNum type="arabicPeriod"/>
+            </a:pPr>
+            <a:r>
+              <a:rPr lang="en-US" dirty="0"/>
+              <a:t>git add .</a:t>
+            </a:r>
+          </a:p>
+          <a:p>
+            <a:pPr marL="514350" indent="-514350">
+              <a:buFont typeface="+mj-lt"/>
+              <a:buAutoNum type="arabicPeriod"/>
+            </a:pPr>
+            <a:r>
+              <a:rPr lang="en-US" dirty="0"/>
+              <a:t>git commit -m "A short, descriptive message“</a:t>
+            </a:r>
+          </a:p>
+          <a:p>
+            <a:pPr marL="514350" indent="-514350">
+              <a:buFont typeface="+mj-lt"/>
+              <a:buAutoNum type="arabicPeriod"/>
+            </a:pPr>
+            <a:r>
+              <a:rPr lang="en-US" dirty="0"/>
+              <a:t>git push</a:t>
+            </a:r>
+          </a:p>
+          <a:p>
+            <a:pPr marL="514350" indent="-514350">
+              <a:buFont typeface="+mj-lt"/>
+              <a:buAutoNum type="arabicPeriod"/>
+            </a:pPr>
+            <a:r>
+              <a:rPr lang="en-US" dirty="0"/>
+              <a:t>Add “</a:t>
+            </a:r>
+            <a:r>
+              <a:rPr lang="en-US" dirty="0" err="1"/>
+              <a:t>ryl</a:t>
+            </a:r>
+            <a:r>
+              <a:rPr lang="en-US" dirty="0"/>
+              <a:t>” as a collaborator.</a:t>
+            </a:r>
+          </a:p>
+          <a:p>
+            <a:pPr marL="514350" indent="-514350">
+              <a:buFont typeface="+mj-lt"/>
+              <a:buAutoNum type="arabicPeriod"/>
+            </a:pPr>
+            <a:endParaRPr lang="en-US" dirty="0"/>
+          </a:p>
+          <a:p>
+            <a:pPr marL="514350" indent="-514350">
+              <a:buFont typeface="+mj-lt"/>
+              <a:buAutoNum type="arabicPeriod"/>
+            </a:pPr>
+            <a:endParaRPr lang="en-US" dirty="0"/>
+          </a:p>
+          <a:p>
+            <a:pPr marL="514350" indent="-514350">
+              <a:buFont typeface="+mj-lt"/>
+              <a:buAutoNum type="arabicPeriod"/>
+            </a:pPr>
+            <a:endParaRPr lang="en-US" dirty="0"/>
+          </a:p>
+        </p:txBody>
+      </p:sp>
+    </p:spTree>
+    <p:extLst>
+      <p:ext uri="{BB962C8B-B14F-4D97-AF65-F5344CB8AC3E}">
+        <p14:creationId xmlns:p14="http://schemas.microsoft.com/office/powerpoint/2010/main" val="1341031967"/>
       </p:ext>
     </p:extLst>
   </p:cSld>
@@ -4801,7 +5837,7 @@
             </a:pPr>
             <a:r>
               <a:rPr lang="en-US" dirty="0"/>
-              <a:t>Use “get remote -v” to list remote repositories your local repository is linked to.</a:t>
+              <a:t>Use “git remote -v” to list remote repositories your local repository is linked to.</a:t>
             </a:r>
           </a:p>
           <a:p>
@@ -5223,7 +6259,7 @@
           <a:p>
             <a:r>
               <a:rPr lang="en-US" dirty="0"/>
-              <a:t>This is how code gets shared with others</a:t>
+              <a:t>This is how code gets shared with others!</a:t>
             </a:r>
           </a:p>
         </p:txBody>
@@ -5340,7 +6376,7 @@
             </a:pPr>
             <a:r>
               <a:rPr lang="en-US" dirty="0"/>
-              <a:t>Use “git commit” commit the prepared changes to Git’s history.</a:t>
+              <a:t>Use “git commit” to save the prepared changes to Git’s history.</a:t>
             </a:r>
           </a:p>
         </p:txBody>
@@ -5420,7 +6456,7 @@
           <a:p>
             <a:r>
               <a:rPr lang="en-US" sz="2000" dirty="0"/>
-              <a:t>git status</a:t>
+              <a:t>$ git status</a:t>
             </a:r>
           </a:p>
           <a:p>
